--- a/区块链前沿技术专题综述报告.pptx
+++ b/区块链前沿技术专题综述报告.pptx
@@ -230,7 +230,7 @@
           <a:p>
             <a:fld id="{FFF28FAA-4CF0-4523-8432-DF576DB92CF3}" type="datetimeFigureOut">
               <a:rPr lang="zh-CN" altLang="en-US" smtClean="0"/>
-              <a:t>2020/6/3</a:t>
+              <a:t>2020/6/6</a:t>
             </a:fld>
             <a:endParaRPr lang="zh-CN" altLang="en-US"/>
           </a:p>
@@ -3128,7 +3128,11 @@
           <a:p>
             <a:r>
               <a:rPr lang="zh-CN" altLang="en-US" dirty="0" smtClean="0"/>
-              <a:t>王恬、陈鹏</a:t>
+              <a:t>王恬、</a:t>
+            </a:r>
+            <a:r>
+              <a:rPr lang="zh-CN" altLang="en-US" dirty="0" smtClean="0"/>
+              <a:t>陈鹏、张宇捷</a:t>
             </a:r>
             <a:endParaRPr lang="zh-CN" altLang="en-US" dirty="0"/>
           </a:p>
@@ -3144,11 +3148,20 @@
             <p:ph sz="quarter" idx="12"/>
           </p:nvPr>
         </p:nvSpPr>
-        <p:spPr/>
+        <p:spPr>
+          <a:xfrm>
+            <a:off x="4030663" y="5486297"/>
+            <a:ext cx="3725408" cy="457304"/>
+          </a:xfrm>
+        </p:spPr>
         <p:txBody>
           <a:bodyPr/>
           <a:lstStyle/>
           <a:p>
+            <a:r>
+              <a:rPr lang="zh-CN" altLang="en-US" dirty="0" smtClean="0"/>
+              <a:t>赵叶清、何志洋、刘丽华</a:t>
+            </a:r>
             <a:endParaRPr lang="zh-CN" altLang="en-US" dirty="0"/>
           </a:p>
         </p:txBody>
@@ -4151,7 +4164,6 @@
               <a:rPr lang="zh-CN" altLang="en-US" dirty="0"/>
               <a:t>理论研究成果</a:t>
             </a:r>
-            <a:endParaRPr lang="zh-CN" altLang="en-US" dirty="0"/>
           </a:p>
         </p:txBody>
       </p:sp>
@@ -5163,7 +5175,6 @@
               <a:rPr lang="zh-CN" altLang="en-US" dirty="0"/>
               <a:t>医疗数据分享模型</a:t>
             </a:r>
-            <a:endParaRPr lang="zh-CN" altLang="en-US" dirty="0"/>
           </a:p>
         </p:txBody>
       </p:sp>
@@ -6272,10 +6283,6 @@
               </a:rPr>
               <a:t>安全部门）的任职首席科学家</a:t>
             </a:r>
-            <a:endParaRPr lang="zh-CN" altLang="en-US" sz="2400" dirty="0">
-              <a:latin typeface="微软雅黑" panose="020B0503020204020204" pitchFamily="34" charset="-122"/>
-              <a:ea typeface="微软雅黑" panose="020B0503020204020204" pitchFamily="34" charset="-122"/>
-            </a:endParaRPr>
           </a:p>
         </p:txBody>
       </p:sp>
